--- a/auxiliar.pptx
+++ b/auxiliar.pptx
@@ -6,6 +6,7 @@
   </p:sldMasterIdLst>
   <p:sldIdLst>
     <p:sldId id="256" r:id="rId2"/>
+    <p:sldId id="257" r:id="rId3"/>
   </p:sldIdLst>
   <p:sldSz cx="12192000" cy="6858000"/>
   <p:notesSz cx="6858000" cy="9144000"/>
@@ -243,7 +244,7 @@
           <a:p>
             <a:fld id="{3857736D-947D-4D68-A435-64AA0BA75570}" type="datetimeFigureOut">
               <a:rPr lang="es-BO" smtClean="0"/>
-              <a:t>25/10/2021</a:t>
+              <a:t>29/10/2021</a:t>
             </a:fld>
             <a:endParaRPr lang="es-BO"/>
           </a:p>
@@ -413,7 +414,7 @@
           <a:p>
             <a:fld id="{3857736D-947D-4D68-A435-64AA0BA75570}" type="datetimeFigureOut">
               <a:rPr lang="es-BO" smtClean="0"/>
-              <a:t>25/10/2021</a:t>
+              <a:t>29/10/2021</a:t>
             </a:fld>
             <a:endParaRPr lang="es-BO"/>
           </a:p>
@@ -593,7 +594,7 @@
           <a:p>
             <a:fld id="{3857736D-947D-4D68-A435-64AA0BA75570}" type="datetimeFigureOut">
               <a:rPr lang="es-BO" smtClean="0"/>
-              <a:t>25/10/2021</a:t>
+              <a:t>29/10/2021</a:t>
             </a:fld>
             <a:endParaRPr lang="es-BO"/>
           </a:p>
@@ -763,7 +764,7 @@
           <a:p>
             <a:fld id="{3857736D-947D-4D68-A435-64AA0BA75570}" type="datetimeFigureOut">
               <a:rPr lang="es-BO" smtClean="0"/>
-              <a:t>25/10/2021</a:t>
+              <a:t>29/10/2021</a:t>
             </a:fld>
             <a:endParaRPr lang="es-BO"/>
           </a:p>
@@ -1009,7 +1010,7 @@
           <a:p>
             <a:fld id="{3857736D-947D-4D68-A435-64AA0BA75570}" type="datetimeFigureOut">
               <a:rPr lang="es-BO" smtClean="0"/>
-              <a:t>25/10/2021</a:t>
+              <a:t>29/10/2021</a:t>
             </a:fld>
             <a:endParaRPr lang="es-BO"/>
           </a:p>
@@ -1241,7 +1242,7 @@
           <a:p>
             <a:fld id="{3857736D-947D-4D68-A435-64AA0BA75570}" type="datetimeFigureOut">
               <a:rPr lang="es-BO" smtClean="0"/>
-              <a:t>25/10/2021</a:t>
+              <a:t>29/10/2021</a:t>
             </a:fld>
             <a:endParaRPr lang="es-BO"/>
           </a:p>
@@ -1608,7 +1609,7 @@
           <a:p>
             <a:fld id="{3857736D-947D-4D68-A435-64AA0BA75570}" type="datetimeFigureOut">
               <a:rPr lang="es-BO" smtClean="0"/>
-              <a:t>25/10/2021</a:t>
+              <a:t>29/10/2021</a:t>
             </a:fld>
             <a:endParaRPr lang="es-BO"/>
           </a:p>
@@ -1726,7 +1727,7 @@
           <a:p>
             <a:fld id="{3857736D-947D-4D68-A435-64AA0BA75570}" type="datetimeFigureOut">
               <a:rPr lang="es-BO" smtClean="0"/>
-              <a:t>25/10/2021</a:t>
+              <a:t>29/10/2021</a:t>
             </a:fld>
             <a:endParaRPr lang="es-BO"/>
           </a:p>
@@ -1821,7 +1822,7 @@
           <a:p>
             <a:fld id="{3857736D-947D-4D68-A435-64AA0BA75570}" type="datetimeFigureOut">
               <a:rPr lang="es-BO" smtClean="0"/>
-              <a:t>25/10/2021</a:t>
+              <a:t>29/10/2021</a:t>
             </a:fld>
             <a:endParaRPr lang="es-BO"/>
           </a:p>
@@ -2098,7 +2099,7 @@
           <a:p>
             <a:fld id="{3857736D-947D-4D68-A435-64AA0BA75570}" type="datetimeFigureOut">
               <a:rPr lang="es-BO" smtClean="0"/>
-              <a:t>25/10/2021</a:t>
+              <a:t>29/10/2021</a:t>
             </a:fld>
             <a:endParaRPr lang="es-BO"/>
           </a:p>
@@ -2351,7 +2352,7 @@
           <a:p>
             <a:fld id="{3857736D-947D-4D68-A435-64AA0BA75570}" type="datetimeFigureOut">
               <a:rPr lang="es-BO" smtClean="0"/>
-              <a:t>25/10/2021</a:t>
+              <a:t>29/10/2021</a:t>
             </a:fld>
             <a:endParaRPr lang="es-BO"/>
           </a:p>
@@ -2564,7 +2565,7 @@
           <a:p>
             <a:fld id="{3857736D-947D-4D68-A435-64AA0BA75570}" type="datetimeFigureOut">
               <a:rPr lang="es-BO" smtClean="0"/>
-              <a:t>25/10/2021</a:t>
+              <a:t>29/10/2021</a:t>
             </a:fld>
             <a:endParaRPr lang="es-BO"/>
           </a:p>
@@ -3119,6 +3120,902 @@
 </p:sld>
 </file>
 
+<file path=ppt/slides/slide2.xml><?xml version="1.0" encoding="utf-8"?>
+<p:sld xmlns:a="http://schemas.openxmlformats.org/drawingml/2006/main" xmlns:r="http://schemas.openxmlformats.org/officeDocument/2006/relationships" xmlns:p="http://schemas.openxmlformats.org/presentationml/2006/main">
+  <p:cSld>
+    <p:spTree>
+      <p:nvGrpSpPr>
+        <p:cNvPr id="1" name=""/>
+        <p:cNvGrpSpPr/>
+        <p:nvPr/>
+      </p:nvGrpSpPr>
+      <p:grpSpPr>
+        <a:xfrm>
+          <a:off x="0" y="0"/>
+          <a:ext cx="0" cy="0"/>
+          <a:chOff x="0" y="0"/>
+          <a:chExt cx="0" cy="0"/>
+        </a:xfrm>
+      </p:grpSpPr>
+      <p:grpSp>
+        <p:nvGrpSpPr>
+          <p:cNvPr id="90" name="Grupo 89"/>
+          <p:cNvGrpSpPr/>
+          <p:nvPr/>
+        </p:nvGrpSpPr>
+        <p:grpSpPr>
+          <a:xfrm>
+            <a:off x="368300" y="882639"/>
+            <a:ext cx="11321188" cy="5330422"/>
+            <a:chOff x="368300" y="882639"/>
+            <a:chExt cx="11321188" cy="5330422"/>
+          </a:xfrm>
+        </p:grpSpPr>
+        <p:pic>
+          <p:nvPicPr>
+            <p:cNvPr id="1026" name="Picture 2" descr="Human resources icon on white background Vector Image"/>
+            <p:cNvPicPr>
+              <a:picLocks noChangeAspect="1" noChangeArrowheads="1"/>
+            </p:cNvPicPr>
+            <p:nvPr/>
+          </p:nvPicPr>
+          <p:blipFill rotWithShape="1">
+            <a:blip r:embed="rId2" cstate="print">
+              <a:extLst>
+                <a:ext uri="{28A0092B-C50C-407E-A947-70E740481C1C}">
+                  <a14:useLocalDpi xmlns:a14="http://schemas.microsoft.com/office/drawing/2010/main" val="0"/>
+                </a:ext>
+              </a:extLst>
+            </a:blip>
+            <a:srcRect l="5358" t="14272" r="4620" b="17438"/>
+            <a:stretch/>
+          </p:blipFill>
+          <p:spPr bwMode="auto">
+            <a:xfrm>
+              <a:off x="3289788" y="3140176"/>
+              <a:ext cx="897617" cy="754248"/>
+            </a:xfrm>
+            <a:prstGeom prst="rect">
+              <a:avLst/>
+            </a:prstGeom>
+            <a:noFill/>
+            <a:extLst>
+              <a:ext uri="{909E8E84-426E-40DD-AFC4-6F175D3DCCD1}">
+                <a14:hiddenFill xmlns:a14="http://schemas.microsoft.com/office/drawing/2010/main">
+                  <a:solidFill>
+                    <a:srgbClr val="FFFFFF"/>
+                  </a:solidFill>
+                </a14:hiddenFill>
+              </a:ext>
+            </a:extLst>
+          </p:spPr>
+        </p:pic>
+        <p:pic>
+          <p:nvPicPr>
+            <p:cNvPr id="1034" name="Picture 10" descr="Coin Money 6 Icon - Pixicon - Pixicon"/>
+            <p:cNvPicPr>
+              <a:picLocks noChangeAspect="1" noChangeArrowheads="1"/>
+            </p:cNvPicPr>
+            <p:nvPr/>
+          </p:nvPicPr>
+          <p:blipFill>
+            <a:blip r:embed="rId3" cstate="print">
+              <a:extLst>
+                <a:ext uri="{28A0092B-C50C-407E-A947-70E740481C1C}">
+                  <a14:useLocalDpi xmlns:a14="http://schemas.microsoft.com/office/drawing/2010/main" val="0"/>
+                </a:ext>
+              </a:extLst>
+            </a:blip>
+            <a:srcRect/>
+            <a:stretch>
+              <a:fillRect/>
+            </a:stretch>
+          </p:blipFill>
+          <p:spPr bwMode="auto">
+            <a:xfrm>
+              <a:off x="1262567" y="3240745"/>
+              <a:ext cx="649923" cy="649923"/>
+            </a:xfrm>
+            <a:prstGeom prst="rect">
+              <a:avLst/>
+            </a:prstGeom>
+            <a:noFill/>
+            <a:extLst>
+              <a:ext uri="{909E8E84-426E-40DD-AFC4-6F175D3DCCD1}">
+                <a14:hiddenFill xmlns:a14="http://schemas.microsoft.com/office/drawing/2010/main">
+                  <a:solidFill>
+                    <a:srgbClr val="FFFFFF"/>
+                  </a:solidFill>
+                </a14:hiddenFill>
+              </a:ext>
+            </a:extLst>
+          </p:spPr>
+        </p:pic>
+        <p:pic>
+          <p:nvPicPr>
+            <p:cNvPr id="1036" name="Picture 12" descr="Emerging Technology Icon Images, Stock Photos &amp;amp; Vectors | Shutterstock"/>
+            <p:cNvPicPr>
+              <a:picLocks noChangeAspect="1" noChangeArrowheads="1"/>
+            </p:cNvPicPr>
+            <p:nvPr/>
+          </p:nvPicPr>
+          <p:blipFill rotWithShape="1">
+            <a:blip r:embed="rId4">
+              <a:extLst>
+                <a:ext uri="{28A0092B-C50C-407E-A947-70E740481C1C}">
+                  <a14:useLocalDpi xmlns:a14="http://schemas.microsoft.com/office/drawing/2010/main" val="0"/>
+                </a:ext>
+              </a:extLst>
+            </a:blip>
+            <a:srcRect l="17949" t="20119" r="19358" b="28095"/>
+            <a:stretch/>
+          </p:blipFill>
+          <p:spPr bwMode="auto">
+            <a:xfrm>
+              <a:off x="7771311" y="3162520"/>
+              <a:ext cx="822760" cy="731904"/>
+            </a:xfrm>
+            <a:prstGeom prst="rect">
+              <a:avLst/>
+            </a:prstGeom>
+            <a:noFill/>
+            <a:extLst>
+              <a:ext uri="{909E8E84-426E-40DD-AFC4-6F175D3DCCD1}">
+                <a14:hiddenFill xmlns:a14="http://schemas.microsoft.com/office/drawing/2010/main">
+                  <a:solidFill>
+                    <a:srgbClr val="FFFFFF"/>
+                  </a:solidFill>
+                </a14:hiddenFill>
+              </a:ext>
+            </a:extLst>
+          </p:spPr>
+        </p:pic>
+        <p:pic>
+          <p:nvPicPr>
+            <p:cNvPr id="1040" name="Picture 16" descr="Consumer icon with male customer person profile Vector Image"/>
+            <p:cNvPicPr>
+              <a:picLocks noChangeAspect="1" noChangeArrowheads="1"/>
+            </p:cNvPicPr>
+            <p:nvPr/>
+          </p:nvPicPr>
+          <p:blipFill rotWithShape="1">
+            <a:blip r:embed="rId5" cstate="print">
+              <a:extLst>
+                <a:ext uri="{28A0092B-C50C-407E-A947-70E740481C1C}">
+                  <a14:useLocalDpi xmlns:a14="http://schemas.microsoft.com/office/drawing/2010/main" val="0"/>
+                </a:ext>
+              </a:extLst>
+            </a:blip>
+            <a:srcRect l="18500" t="6883" r="18700" b="14352"/>
+            <a:stretch/>
+          </p:blipFill>
+          <p:spPr bwMode="auto">
+            <a:xfrm>
+              <a:off x="10332464" y="3140176"/>
+              <a:ext cx="554047" cy="750492"/>
+            </a:xfrm>
+            <a:prstGeom prst="rect">
+              <a:avLst/>
+            </a:prstGeom>
+            <a:noFill/>
+            <a:extLst>
+              <a:ext uri="{909E8E84-426E-40DD-AFC4-6F175D3DCCD1}">
+                <a14:hiddenFill xmlns:a14="http://schemas.microsoft.com/office/drawing/2010/main">
+                  <a:solidFill>
+                    <a:srgbClr val="FFFFFF"/>
+                  </a:solidFill>
+                </a14:hiddenFill>
+              </a:ext>
+            </a:extLst>
+          </p:spPr>
+        </p:pic>
+        <p:pic>
+          <p:nvPicPr>
+            <p:cNvPr id="14" name="Imagen 13"/>
+            <p:cNvPicPr>
+              <a:picLocks noChangeAspect="1"/>
+            </p:cNvPicPr>
+            <p:nvPr/>
+          </p:nvPicPr>
+          <p:blipFill>
+            <a:blip r:embed="rId6">
+              <a:extLst>
+                <a:ext uri="{BEBA8EAE-BF5A-486C-A8C5-ECC9F3942E4B}">
+                  <a14:imgProps xmlns:a14="http://schemas.microsoft.com/office/drawing/2010/main">
+                    <a14:imgLayer r:embed="rId7">
+                      <a14:imgEffect>
+                        <a14:backgroundRemoval t="10000" b="92188" l="6719" r="93750">
+                          <a14:foregroundMark x1="62344" y1="62969" x2="62344" y2="62969"/>
+                        </a14:backgroundRemoval>
+                      </a14:imgEffect>
+                    </a14:imgLayer>
+                  </a14:imgProps>
+                </a:ext>
+              </a:extLst>
+            </a:blip>
+            <a:stretch>
+              <a:fillRect/>
+            </a:stretch>
+          </p:blipFill>
+          <p:spPr>
+            <a:xfrm>
+              <a:off x="5564703" y="3065114"/>
+              <a:ext cx="829310" cy="829310"/>
+            </a:xfrm>
+            <a:prstGeom prst="rect">
+              <a:avLst/>
+            </a:prstGeom>
+          </p:spPr>
+        </p:pic>
+        <p:sp>
+          <p:nvSpPr>
+            <p:cNvPr id="15" name="CuadroTexto 14"/>
+            <p:cNvSpPr txBox="1"/>
+            <p:nvPr/>
+          </p:nvSpPr>
+          <p:spPr>
+            <a:xfrm>
+              <a:off x="2658597" y="1601736"/>
+              <a:ext cx="2160000" cy="1200329"/>
+            </a:xfrm>
+            <a:prstGeom prst="rect">
+              <a:avLst/>
+            </a:prstGeom>
+            <a:noFill/>
+          </p:spPr>
+          <p:txBody>
+            <a:bodyPr wrap="square" rtlCol="0">
+              <a:spAutoFit/>
+            </a:bodyPr>
+            <a:lstStyle/>
+            <a:p>
+              <a:r>
+                <a:rPr lang="es-ES" kern="700" dirty="0" smtClean="0"/>
+                <a:t>Capacitación en nuevas tareas. Efecto en el  desarrollo del capital humano.</a:t>
+              </a:r>
+              <a:endParaRPr lang="es-BO" kern="700" dirty="0"/>
+            </a:p>
+          </p:txBody>
+        </p:sp>
+        <p:sp>
+          <p:nvSpPr>
+            <p:cNvPr id="29" name="CuadroTexto 28"/>
+            <p:cNvSpPr txBox="1"/>
+            <p:nvPr/>
+          </p:nvSpPr>
+          <p:spPr>
+            <a:xfrm>
+              <a:off x="2658597" y="4181736"/>
+              <a:ext cx="2160000" cy="2031325"/>
+            </a:xfrm>
+            <a:prstGeom prst="rect">
+              <a:avLst/>
+            </a:prstGeom>
+            <a:noFill/>
+          </p:spPr>
+          <p:txBody>
+            <a:bodyPr wrap="square" rtlCol="0">
+              <a:spAutoFit/>
+            </a:bodyPr>
+            <a:lstStyle/>
+            <a:p>
+              <a:pPr algn="r"/>
+              <a:r>
+                <a:rPr lang="es-ES" kern="700" dirty="0" smtClean="0"/>
+                <a:t>Sectores con bajos niveles de procesamiento de recursos. Estancamiento en las operaciones de bajo valor agregado </a:t>
+              </a:r>
+              <a:endParaRPr lang="es-BO" kern="700" dirty="0"/>
+            </a:p>
+          </p:txBody>
+        </p:sp>
+        <p:sp>
+          <p:nvSpPr>
+            <p:cNvPr id="30" name="CuadroTexto 29"/>
+            <p:cNvSpPr txBox="1"/>
+            <p:nvPr/>
+          </p:nvSpPr>
+          <p:spPr>
+            <a:xfrm>
+              <a:off x="368300" y="882639"/>
+              <a:ext cx="2160000" cy="1754326"/>
+            </a:xfrm>
+            <a:prstGeom prst="rect">
+              <a:avLst/>
+            </a:prstGeom>
+            <a:noFill/>
+          </p:spPr>
+          <p:txBody>
+            <a:bodyPr wrap="square" rtlCol="0">
+              <a:spAutoFit/>
+            </a:bodyPr>
+            <a:lstStyle/>
+            <a:p>
+              <a:r>
+                <a:rPr lang="es-ES" kern="700" dirty="0" smtClean="0"/>
+                <a:t>Mayores impuestos para el crecimiento mediante la inversión en infraestructura, servicios públicos y educación.</a:t>
+              </a:r>
+              <a:endParaRPr lang="es-BO" kern="700" dirty="0"/>
+            </a:p>
+          </p:txBody>
+        </p:sp>
+        <p:sp>
+          <p:nvSpPr>
+            <p:cNvPr id="31" name="CuadroTexto 30"/>
+            <p:cNvSpPr txBox="1"/>
+            <p:nvPr/>
+          </p:nvSpPr>
+          <p:spPr>
+            <a:xfrm>
+              <a:off x="368300" y="4181736"/>
+              <a:ext cx="2160000" cy="1754326"/>
+            </a:xfrm>
+            <a:prstGeom prst="rect">
+              <a:avLst/>
+            </a:prstGeom>
+            <a:noFill/>
+          </p:spPr>
+          <p:txBody>
+            <a:bodyPr wrap="square" rtlCol="0">
+              <a:spAutoFit/>
+            </a:bodyPr>
+            <a:lstStyle/>
+            <a:p>
+              <a:pPr algn="r"/>
+              <a:r>
+                <a:rPr lang="es-ES" kern="700" dirty="0" smtClean="0"/>
+                <a:t>Frecuentemente invierten en países donde las leyes laborales son débiles. Explotación de los trabajadores.</a:t>
+              </a:r>
+              <a:endParaRPr lang="es-BO" kern="700" dirty="0"/>
+            </a:p>
+          </p:txBody>
+        </p:sp>
+        <p:sp>
+          <p:nvSpPr>
+            <p:cNvPr id="32" name="CuadroTexto 31"/>
+            <p:cNvSpPr txBox="1"/>
+            <p:nvPr/>
+          </p:nvSpPr>
+          <p:spPr>
+            <a:xfrm>
+              <a:off x="7108894" y="1047739"/>
+              <a:ext cx="2290297" cy="1754326"/>
+            </a:xfrm>
+            <a:prstGeom prst="rect">
+              <a:avLst/>
+            </a:prstGeom>
+            <a:noFill/>
+          </p:spPr>
+          <p:txBody>
+            <a:bodyPr wrap="square" rtlCol="0">
+              <a:spAutoFit/>
+            </a:bodyPr>
+            <a:lstStyle/>
+            <a:p>
+              <a:r>
+                <a:rPr lang="es-ES" kern="700" dirty="0" smtClean="0"/>
+                <a:t>Mayor productividad y eficiencia, mediante la tecnología, desarrollo del capital humano y mayor competencia empresarial.</a:t>
+              </a:r>
+              <a:endParaRPr lang="es-BO" kern="700" dirty="0"/>
+            </a:p>
+          </p:txBody>
+        </p:sp>
+        <p:sp>
+          <p:nvSpPr>
+            <p:cNvPr id="33" name="CuadroTexto 32"/>
+            <p:cNvSpPr txBox="1"/>
+            <p:nvPr/>
+          </p:nvSpPr>
+          <p:spPr>
+            <a:xfrm>
+              <a:off x="4948894" y="1047739"/>
+              <a:ext cx="2160000" cy="1754326"/>
+            </a:xfrm>
+            <a:prstGeom prst="rect">
+              <a:avLst/>
+            </a:prstGeom>
+            <a:noFill/>
+          </p:spPr>
+          <p:txBody>
+            <a:bodyPr wrap="square" rtlCol="0">
+              <a:spAutoFit/>
+            </a:bodyPr>
+            <a:lstStyle/>
+            <a:p>
+              <a:r>
+                <a:rPr lang="es-ES" kern="700" dirty="0" smtClean="0"/>
+                <a:t>Mejora la infraestructura del país receptor. Mayores oportunidades de empleo</a:t>
+              </a:r>
+              <a:endParaRPr lang="es-BO" kern="700" dirty="0"/>
+            </a:p>
+          </p:txBody>
+        </p:sp>
+        <p:sp>
+          <p:nvSpPr>
+            <p:cNvPr id="34" name="CuadroTexto 33"/>
+            <p:cNvSpPr txBox="1"/>
+            <p:nvPr/>
+          </p:nvSpPr>
+          <p:spPr>
+            <a:xfrm>
+              <a:off x="7239191" y="4181736"/>
+              <a:ext cx="2160000" cy="1200329"/>
+            </a:xfrm>
+            <a:prstGeom prst="rect">
+              <a:avLst/>
+            </a:prstGeom>
+            <a:noFill/>
+          </p:spPr>
+          <p:txBody>
+            <a:bodyPr wrap="square" rtlCol="0">
+              <a:spAutoFit/>
+            </a:bodyPr>
+            <a:lstStyle/>
+            <a:p>
+              <a:pPr algn="r"/>
+              <a:r>
+                <a:rPr lang="es-ES" kern="700" dirty="0" smtClean="0"/>
+                <a:t>Se asientan donde la legislación sobre la contaminación no es eficaz.</a:t>
+              </a:r>
+              <a:endParaRPr lang="es-BO" kern="700" dirty="0"/>
+            </a:p>
+          </p:txBody>
+        </p:sp>
+        <p:sp>
+          <p:nvSpPr>
+            <p:cNvPr id="35" name="CuadroTexto 34"/>
+            <p:cNvSpPr txBox="1"/>
+            <p:nvPr/>
+          </p:nvSpPr>
+          <p:spPr>
+            <a:xfrm>
+              <a:off x="4948894" y="4181736"/>
+              <a:ext cx="2160000" cy="2031325"/>
+            </a:xfrm>
+            <a:prstGeom prst="rect">
+              <a:avLst/>
+            </a:prstGeom>
+            <a:noFill/>
+          </p:spPr>
+          <p:txBody>
+            <a:bodyPr wrap="square" rtlCol="0">
+              <a:spAutoFit/>
+            </a:bodyPr>
+            <a:lstStyle/>
+            <a:p>
+              <a:pPr algn="r"/>
+              <a:r>
+                <a:rPr lang="es-ES" kern="700" dirty="0" smtClean="0"/>
+                <a:t>Buscan impuestos bajos sobre ingresos de recursos no renovables. Incrementan la importación de componentes.</a:t>
+              </a:r>
+              <a:endParaRPr lang="es-BO" kern="700" dirty="0"/>
+            </a:p>
+          </p:txBody>
+        </p:sp>
+        <p:sp>
+          <p:nvSpPr>
+            <p:cNvPr id="36" name="CuadroTexto 35"/>
+            <p:cNvSpPr txBox="1"/>
+            <p:nvPr/>
+          </p:nvSpPr>
+          <p:spPr>
+            <a:xfrm>
+              <a:off x="9529488" y="1817804"/>
+              <a:ext cx="2160000" cy="923330"/>
+            </a:xfrm>
+            <a:prstGeom prst="rect">
+              <a:avLst/>
+            </a:prstGeom>
+            <a:noFill/>
+          </p:spPr>
+          <p:txBody>
+            <a:bodyPr wrap="square" rtlCol="0">
+              <a:spAutoFit/>
+            </a:bodyPr>
+            <a:lstStyle/>
+            <a:p>
+              <a:r>
+                <a:rPr lang="es-ES" kern="700" dirty="0" smtClean="0"/>
+                <a:t>Más opciones para los consumidores a precios más bajos.</a:t>
+              </a:r>
+              <a:endParaRPr lang="es-BO" kern="700" dirty="0"/>
+            </a:p>
+          </p:txBody>
+        </p:sp>
+        <p:sp>
+          <p:nvSpPr>
+            <p:cNvPr id="37" name="CuadroTexto 36"/>
+            <p:cNvSpPr txBox="1"/>
+            <p:nvPr/>
+          </p:nvSpPr>
+          <p:spPr>
+            <a:xfrm>
+              <a:off x="9529488" y="4181736"/>
+              <a:ext cx="2160000" cy="1754326"/>
+            </a:xfrm>
+            <a:prstGeom prst="rect">
+              <a:avLst/>
+            </a:prstGeom>
+            <a:noFill/>
+          </p:spPr>
+          <p:txBody>
+            <a:bodyPr wrap="square" rtlCol="0">
+              <a:spAutoFit/>
+            </a:bodyPr>
+            <a:lstStyle/>
+            <a:p>
+              <a:pPr algn="r"/>
+              <a:r>
+                <a:rPr lang="es-ES" kern="700" dirty="0" smtClean="0"/>
+                <a:t>Reemplaza empresas nacionales por la disminución de los costos, salarios y beneficios sociales</a:t>
+              </a:r>
+              <a:endParaRPr lang="es-BO" kern="700" dirty="0"/>
+            </a:p>
+          </p:txBody>
+        </p:sp>
+        <p:cxnSp>
+          <p:nvCxnSpPr>
+            <p:cNvPr id="22" name="Conector angular 21"/>
+            <p:cNvCxnSpPr/>
+            <p:nvPr/>
+          </p:nvCxnSpPr>
+          <p:spPr>
+            <a:xfrm rot="10800000">
+              <a:off x="553701" y="2980558"/>
+              <a:ext cx="602405" cy="527851"/>
+            </a:xfrm>
+            <a:prstGeom prst="bentConnector3">
+              <a:avLst>
+                <a:gd name="adj1" fmla="val 100597"/>
+              </a:avLst>
+            </a:prstGeom>
+            <a:ln>
+              <a:tailEnd type="oval" w="lg" len="lg"/>
+            </a:ln>
+          </p:spPr>
+          <p:style>
+            <a:lnRef idx="1">
+              <a:schemeClr val="dk1"/>
+            </a:lnRef>
+            <a:fillRef idx="0">
+              <a:schemeClr val="dk1"/>
+            </a:fillRef>
+            <a:effectRef idx="0">
+              <a:schemeClr val="dk1"/>
+            </a:effectRef>
+            <a:fontRef idx="minor">
+              <a:schemeClr val="tx1"/>
+            </a:fontRef>
+          </p:style>
+        </p:cxnSp>
+        <p:cxnSp>
+          <p:nvCxnSpPr>
+            <p:cNvPr id="48" name="Conector angular 47"/>
+            <p:cNvCxnSpPr/>
+            <p:nvPr/>
+          </p:nvCxnSpPr>
+          <p:spPr>
+            <a:xfrm rot="16200000" flipH="1">
+              <a:off x="1801678" y="3622971"/>
+              <a:ext cx="601376" cy="386277"/>
+            </a:xfrm>
+            <a:prstGeom prst="bentConnector3">
+              <a:avLst>
+                <a:gd name="adj1" fmla="val 372"/>
+              </a:avLst>
+            </a:prstGeom>
+            <a:ln>
+              <a:tailEnd type="oval" w="lg" len="lg"/>
+            </a:ln>
+          </p:spPr>
+          <p:style>
+            <a:lnRef idx="1">
+              <a:schemeClr val="dk1"/>
+            </a:lnRef>
+            <a:fillRef idx="0">
+              <a:schemeClr val="dk1"/>
+            </a:fillRef>
+            <a:effectRef idx="0">
+              <a:schemeClr val="dk1"/>
+            </a:effectRef>
+            <a:fontRef idx="minor">
+              <a:schemeClr val="tx1"/>
+            </a:fontRef>
+          </p:style>
+        </p:cxnSp>
+        <p:cxnSp>
+          <p:nvCxnSpPr>
+            <p:cNvPr id="55" name="Conector angular 54"/>
+            <p:cNvCxnSpPr/>
+            <p:nvPr/>
+          </p:nvCxnSpPr>
+          <p:spPr>
+            <a:xfrm rot="16200000" flipV="1">
+              <a:off x="2752253" y="3034380"/>
+              <a:ext cx="558658" cy="347300"/>
+            </a:xfrm>
+            <a:prstGeom prst="bentConnector3">
+              <a:avLst>
+                <a:gd name="adj1" fmla="val 839"/>
+              </a:avLst>
+            </a:prstGeom>
+            <a:ln>
+              <a:tailEnd type="oval" w="lg" len="lg"/>
+            </a:ln>
+          </p:spPr>
+          <p:style>
+            <a:lnRef idx="1">
+              <a:schemeClr val="dk1"/>
+            </a:lnRef>
+            <a:fillRef idx="0">
+              <a:schemeClr val="dk1"/>
+            </a:fillRef>
+            <a:effectRef idx="0">
+              <a:schemeClr val="dk1"/>
+            </a:effectRef>
+            <a:fontRef idx="minor">
+              <a:schemeClr val="tx1"/>
+            </a:fontRef>
+          </p:style>
+        </p:cxnSp>
+        <p:cxnSp>
+          <p:nvCxnSpPr>
+            <p:cNvPr id="65" name="Conector angular 64"/>
+            <p:cNvCxnSpPr/>
+            <p:nvPr/>
+          </p:nvCxnSpPr>
+          <p:spPr>
+            <a:xfrm rot="16200000" flipH="1">
+              <a:off x="4151488" y="3649025"/>
+              <a:ext cx="629437" cy="306107"/>
+            </a:xfrm>
+            <a:prstGeom prst="bentConnector3">
+              <a:avLst>
+                <a:gd name="adj1" fmla="val 894"/>
+              </a:avLst>
+            </a:prstGeom>
+            <a:ln>
+              <a:tailEnd type="oval" w="lg" len="lg"/>
+            </a:ln>
+          </p:spPr>
+          <p:style>
+            <a:lnRef idx="1">
+              <a:schemeClr val="dk1"/>
+            </a:lnRef>
+            <a:fillRef idx="0">
+              <a:schemeClr val="dk1"/>
+            </a:fillRef>
+            <a:effectRef idx="0">
+              <a:schemeClr val="dk1"/>
+            </a:effectRef>
+            <a:fontRef idx="minor">
+              <a:schemeClr val="tx1"/>
+            </a:fontRef>
+          </p:style>
+        </p:cxnSp>
+        <p:cxnSp>
+          <p:nvCxnSpPr>
+            <p:cNvPr id="75" name="Conector angular 74"/>
+            <p:cNvCxnSpPr/>
+            <p:nvPr/>
+          </p:nvCxnSpPr>
+          <p:spPr>
+            <a:xfrm rot="16200000" flipV="1">
+              <a:off x="5041105" y="3038059"/>
+              <a:ext cx="609829" cy="330872"/>
+            </a:xfrm>
+            <a:prstGeom prst="bentConnector3">
+              <a:avLst>
+                <a:gd name="adj1" fmla="val 799"/>
+              </a:avLst>
+            </a:prstGeom>
+            <a:ln>
+              <a:tailEnd type="oval" w="lg" len="lg"/>
+            </a:ln>
+          </p:spPr>
+          <p:style>
+            <a:lnRef idx="1">
+              <a:schemeClr val="dk1"/>
+            </a:lnRef>
+            <a:fillRef idx="0">
+              <a:schemeClr val="dk1"/>
+            </a:fillRef>
+            <a:effectRef idx="0">
+              <a:schemeClr val="dk1"/>
+            </a:effectRef>
+            <a:fontRef idx="minor">
+              <a:schemeClr val="tx1"/>
+            </a:fontRef>
+          </p:style>
+        </p:cxnSp>
+        <p:cxnSp>
+          <p:nvCxnSpPr>
+            <p:cNvPr id="76" name="Conector angular 75"/>
+            <p:cNvCxnSpPr/>
+            <p:nvPr/>
+          </p:nvCxnSpPr>
+          <p:spPr>
+            <a:xfrm rot="16200000" flipH="1">
+              <a:off x="6377129" y="3585552"/>
+              <a:ext cx="470031" cy="329768"/>
+            </a:xfrm>
+            <a:prstGeom prst="bentConnector3">
+              <a:avLst>
+                <a:gd name="adj1" fmla="val -155"/>
+              </a:avLst>
+            </a:prstGeom>
+            <a:ln>
+              <a:tailEnd type="oval" w="lg" len="lg"/>
+            </a:ln>
+          </p:spPr>
+          <p:style>
+            <a:lnRef idx="1">
+              <a:schemeClr val="dk1"/>
+            </a:lnRef>
+            <a:fillRef idx="0">
+              <a:schemeClr val="dk1"/>
+            </a:fillRef>
+            <a:effectRef idx="0">
+              <a:schemeClr val="dk1"/>
+            </a:effectRef>
+            <a:fontRef idx="minor">
+              <a:schemeClr val="tx1"/>
+            </a:fontRef>
+          </p:style>
+        </p:cxnSp>
+        <p:cxnSp>
+          <p:nvCxnSpPr>
+            <p:cNvPr id="100" name="Conector angular 99"/>
+            <p:cNvCxnSpPr/>
+            <p:nvPr/>
+          </p:nvCxnSpPr>
+          <p:spPr>
+            <a:xfrm rot="16200000" flipV="1">
+              <a:off x="7258890" y="3068178"/>
+              <a:ext cx="609829" cy="330872"/>
+            </a:xfrm>
+            <a:prstGeom prst="bentConnector3">
+              <a:avLst>
+                <a:gd name="adj1" fmla="val 799"/>
+              </a:avLst>
+            </a:prstGeom>
+            <a:ln>
+              <a:tailEnd type="oval" w="lg" len="lg"/>
+            </a:ln>
+          </p:spPr>
+          <p:style>
+            <a:lnRef idx="1">
+              <a:schemeClr val="dk1"/>
+            </a:lnRef>
+            <a:fillRef idx="0">
+              <a:schemeClr val="dk1"/>
+            </a:fillRef>
+            <a:effectRef idx="0">
+              <a:schemeClr val="dk1"/>
+            </a:effectRef>
+            <a:fontRef idx="minor">
+              <a:schemeClr val="tx1"/>
+            </a:fontRef>
+          </p:style>
+        </p:cxnSp>
+        <p:cxnSp>
+          <p:nvCxnSpPr>
+            <p:cNvPr id="102" name="Conector angular 101"/>
+            <p:cNvCxnSpPr/>
+            <p:nvPr/>
+          </p:nvCxnSpPr>
+          <p:spPr>
+            <a:xfrm rot="16200000" flipH="1">
+              <a:off x="8795838" y="3615672"/>
+              <a:ext cx="470031" cy="329768"/>
+            </a:xfrm>
+            <a:prstGeom prst="bentConnector3">
+              <a:avLst>
+                <a:gd name="adj1" fmla="val -155"/>
+              </a:avLst>
+            </a:prstGeom>
+            <a:ln>
+              <a:tailEnd type="oval" w="lg" len="lg"/>
+            </a:ln>
+          </p:spPr>
+          <p:style>
+            <a:lnRef idx="1">
+              <a:schemeClr val="dk1"/>
+            </a:lnRef>
+            <a:fillRef idx="0">
+              <a:schemeClr val="dk1"/>
+            </a:fillRef>
+            <a:effectRef idx="0">
+              <a:schemeClr val="dk1"/>
+            </a:effectRef>
+            <a:fontRef idx="minor">
+              <a:schemeClr val="tx1"/>
+            </a:fontRef>
+          </p:style>
+        </p:cxnSp>
+        <p:cxnSp>
+          <p:nvCxnSpPr>
+            <p:cNvPr id="103" name="Conector angular 102"/>
+            <p:cNvCxnSpPr/>
+            <p:nvPr/>
+          </p:nvCxnSpPr>
+          <p:spPr>
+            <a:xfrm rot="16200000" flipV="1">
+              <a:off x="9618687" y="3038058"/>
+              <a:ext cx="609829" cy="330872"/>
+            </a:xfrm>
+            <a:prstGeom prst="bentConnector3">
+              <a:avLst>
+                <a:gd name="adj1" fmla="val 799"/>
+              </a:avLst>
+            </a:prstGeom>
+            <a:ln>
+              <a:tailEnd type="oval" w="lg" len="lg"/>
+            </a:ln>
+          </p:spPr>
+          <p:style>
+            <a:lnRef idx="1">
+              <a:schemeClr val="dk1"/>
+            </a:lnRef>
+            <a:fillRef idx="0">
+              <a:schemeClr val="dk1"/>
+            </a:fillRef>
+            <a:effectRef idx="0">
+              <a:schemeClr val="dk1"/>
+            </a:effectRef>
+            <a:fontRef idx="minor">
+              <a:schemeClr val="tx1"/>
+            </a:fontRef>
+          </p:style>
+        </p:cxnSp>
+        <p:cxnSp>
+          <p:nvCxnSpPr>
+            <p:cNvPr id="105" name="Conector angular 104"/>
+            <p:cNvCxnSpPr/>
+            <p:nvPr/>
+          </p:nvCxnSpPr>
+          <p:spPr>
+            <a:xfrm rot="16200000" flipH="1">
+              <a:off x="10992272" y="3578541"/>
+              <a:ext cx="470031" cy="329768"/>
+            </a:xfrm>
+            <a:prstGeom prst="bentConnector3">
+              <a:avLst>
+                <a:gd name="adj1" fmla="val -155"/>
+              </a:avLst>
+            </a:prstGeom>
+            <a:ln>
+              <a:tailEnd type="oval" w="lg" len="lg"/>
+            </a:ln>
+          </p:spPr>
+          <p:style>
+            <a:lnRef idx="1">
+              <a:schemeClr val="dk1"/>
+            </a:lnRef>
+            <a:fillRef idx="0">
+              <a:schemeClr val="dk1"/>
+            </a:fillRef>
+            <a:effectRef idx="0">
+              <a:schemeClr val="dk1"/>
+            </a:effectRef>
+            <a:fontRef idx="minor">
+              <a:schemeClr val="tx1"/>
+            </a:fontRef>
+          </p:style>
+        </p:cxnSp>
+      </p:grpSp>
+    </p:spTree>
+    <p:extLst>
+      <p:ext uri="{BB962C8B-B14F-4D97-AF65-F5344CB8AC3E}">
+        <p14:creationId xmlns:p14="http://schemas.microsoft.com/office/powerpoint/2010/main" val="2320740468"/>
+      </p:ext>
+    </p:extLst>
+  </p:cSld>
+  <p:clrMapOvr>
+    <a:masterClrMapping/>
+  </p:clrMapOvr>
+</p:sld>
+</file>
+
 <file path=ppt/theme/theme1.xml><?xml version="1.0" encoding="utf-8"?>
 <a:theme xmlns:a="http://schemas.openxmlformats.org/drawingml/2006/main" name="Tema de Office">
   <a:themeElements>

--- a/auxiliar.pptx
+++ b/auxiliar.pptx
@@ -6,7 +6,9 @@
   </p:sldMasterIdLst>
   <p:sldIdLst>
     <p:sldId id="256" r:id="rId2"/>
-    <p:sldId id="257" r:id="rId3"/>
+    <p:sldId id="258" r:id="rId3"/>
+    <p:sldId id="259" r:id="rId4"/>
+    <p:sldId id="257" r:id="rId5"/>
   </p:sldIdLst>
   <p:sldSz cx="12192000" cy="6858000"/>
   <p:notesSz cx="6858000" cy="9144000"/>
@@ -244,7 +246,7 @@
           <a:p>
             <a:fld id="{3857736D-947D-4D68-A435-64AA0BA75570}" type="datetimeFigureOut">
               <a:rPr lang="es-BO" smtClean="0"/>
-              <a:t>29/10/2021</a:t>
+              <a:t>3/12/2021</a:t>
             </a:fld>
             <a:endParaRPr lang="es-BO"/>
           </a:p>
@@ -414,7 +416,7 @@
           <a:p>
             <a:fld id="{3857736D-947D-4D68-A435-64AA0BA75570}" type="datetimeFigureOut">
               <a:rPr lang="es-BO" smtClean="0"/>
-              <a:t>29/10/2021</a:t>
+              <a:t>3/12/2021</a:t>
             </a:fld>
             <a:endParaRPr lang="es-BO"/>
           </a:p>
@@ -594,7 +596,7 @@
           <a:p>
             <a:fld id="{3857736D-947D-4D68-A435-64AA0BA75570}" type="datetimeFigureOut">
               <a:rPr lang="es-BO" smtClean="0"/>
-              <a:t>29/10/2021</a:t>
+              <a:t>3/12/2021</a:t>
             </a:fld>
             <a:endParaRPr lang="es-BO"/>
           </a:p>
@@ -764,7 +766,7 @@
           <a:p>
             <a:fld id="{3857736D-947D-4D68-A435-64AA0BA75570}" type="datetimeFigureOut">
               <a:rPr lang="es-BO" smtClean="0"/>
-              <a:t>29/10/2021</a:t>
+              <a:t>3/12/2021</a:t>
             </a:fld>
             <a:endParaRPr lang="es-BO"/>
           </a:p>
@@ -1010,7 +1012,7 @@
           <a:p>
             <a:fld id="{3857736D-947D-4D68-A435-64AA0BA75570}" type="datetimeFigureOut">
               <a:rPr lang="es-BO" smtClean="0"/>
-              <a:t>29/10/2021</a:t>
+              <a:t>3/12/2021</a:t>
             </a:fld>
             <a:endParaRPr lang="es-BO"/>
           </a:p>
@@ -1242,7 +1244,7 @@
           <a:p>
             <a:fld id="{3857736D-947D-4D68-A435-64AA0BA75570}" type="datetimeFigureOut">
               <a:rPr lang="es-BO" smtClean="0"/>
-              <a:t>29/10/2021</a:t>
+              <a:t>3/12/2021</a:t>
             </a:fld>
             <a:endParaRPr lang="es-BO"/>
           </a:p>
@@ -1609,7 +1611,7 @@
           <a:p>
             <a:fld id="{3857736D-947D-4D68-A435-64AA0BA75570}" type="datetimeFigureOut">
               <a:rPr lang="es-BO" smtClean="0"/>
-              <a:t>29/10/2021</a:t>
+              <a:t>3/12/2021</a:t>
             </a:fld>
             <a:endParaRPr lang="es-BO"/>
           </a:p>
@@ -1727,7 +1729,7 @@
           <a:p>
             <a:fld id="{3857736D-947D-4D68-A435-64AA0BA75570}" type="datetimeFigureOut">
               <a:rPr lang="es-BO" smtClean="0"/>
-              <a:t>29/10/2021</a:t>
+              <a:t>3/12/2021</a:t>
             </a:fld>
             <a:endParaRPr lang="es-BO"/>
           </a:p>
@@ -1822,7 +1824,7 @@
           <a:p>
             <a:fld id="{3857736D-947D-4D68-A435-64AA0BA75570}" type="datetimeFigureOut">
               <a:rPr lang="es-BO" smtClean="0"/>
-              <a:t>29/10/2021</a:t>
+              <a:t>3/12/2021</a:t>
             </a:fld>
             <a:endParaRPr lang="es-BO"/>
           </a:p>
@@ -2099,7 +2101,7 @@
           <a:p>
             <a:fld id="{3857736D-947D-4D68-A435-64AA0BA75570}" type="datetimeFigureOut">
               <a:rPr lang="es-BO" smtClean="0"/>
-              <a:t>29/10/2021</a:t>
+              <a:t>3/12/2021</a:t>
             </a:fld>
             <a:endParaRPr lang="es-BO"/>
           </a:p>
@@ -2352,7 +2354,7 @@
           <a:p>
             <a:fld id="{3857736D-947D-4D68-A435-64AA0BA75570}" type="datetimeFigureOut">
               <a:rPr lang="es-BO" smtClean="0"/>
-              <a:t>29/10/2021</a:t>
+              <a:t>3/12/2021</a:t>
             </a:fld>
             <a:endParaRPr lang="es-BO"/>
           </a:p>
@@ -2565,7 +2567,7 @@
           <a:p>
             <a:fld id="{3857736D-947D-4D68-A435-64AA0BA75570}" type="datetimeFigureOut">
               <a:rPr lang="es-BO" smtClean="0"/>
-              <a:t>29/10/2021</a:t>
+              <a:t>3/12/2021</a:t>
             </a:fld>
             <a:endParaRPr lang="es-BO"/>
           </a:p>
@@ -3121,6 +3123,344 @@
 </file>
 
 <file path=ppt/slides/slide2.xml><?xml version="1.0" encoding="utf-8"?>
+<p:sld xmlns:a="http://schemas.openxmlformats.org/drawingml/2006/main" xmlns:r="http://schemas.openxmlformats.org/officeDocument/2006/relationships" xmlns:p="http://schemas.openxmlformats.org/presentationml/2006/main">
+  <p:cSld>
+    <p:spTree>
+      <p:nvGrpSpPr>
+        <p:cNvPr id="1" name=""/>
+        <p:cNvGrpSpPr/>
+        <p:nvPr/>
+      </p:nvGrpSpPr>
+      <p:grpSpPr>
+        <a:xfrm>
+          <a:off x="0" y="0"/>
+          <a:ext cx="0" cy="0"/>
+          <a:chOff x="0" y="0"/>
+          <a:chExt cx="0" cy="0"/>
+        </a:xfrm>
+      </p:grpSpPr>
+      <p:grpSp>
+        <p:nvGrpSpPr>
+          <p:cNvPr id="10" name="Grupo 9"/>
+          <p:cNvGrpSpPr/>
+          <p:nvPr/>
+        </p:nvGrpSpPr>
+        <p:grpSpPr>
+          <a:xfrm>
+            <a:off x="2850434" y="2520850"/>
+            <a:ext cx="7142642" cy="2042663"/>
+            <a:chOff x="2850434" y="2520850"/>
+            <a:chExt cx="7142642" cy="2042663"/>
+          </a:xfrm>
+        </p:grpSpPr>
+        <p:grpSp>
+          <p:nvGrpSpPr>
+            <p:cNvPr id="12" name="Grupo 11"/>
+            <p:cNvGrpSpPr/>
+            <p:nvPr/>
+          </p:nvGrpSpPr>
+          <p:grpSpPr>
+            <a:xfrm>
+              <a:off x="9070904" y="2623288"/>
+              <a:ext cx="922172" cy="1798346"/>
+              <a:chOff x="3710940" y="975359"/>
+              <a:chExt cx="1077426" cy="3173600"/>
+            </a:xfrm>
+          </p:grpSpPr>
+          <p:pic>
+            <p:nvPicPr>
+              <p:cNvPr id="2" name="Imagen 1"/>
+              <p:cNvPicPr>
+                <a:picLocks noChangeAspect="1"/>
+              </p:cNvPicPr>
+              <p:nvPr/>
+            </p:nvPicPr>
+            <p:blipFill rotWithShape="1">
+              <a:blip r:embed="rId2"/>
+              <a:srcRect l="17750" t="84858" r="4025" b="10946"/>
+              <a:stretch/>
+            </p:blipFill>
+            <p:spPr>
+              <a:xfrm rot="16200000">
+                <a:off x="2341654" y="2344647"/>
+                <a:ext cx="3009900" cy="271327"/>
+              </a:xfrm>
+              <a:prstGeom prst="rect">
+                <a:avLst/>
+              </a:prstGeom>
+            </p:spPr>
+          </p:pic>
+          <p:sp>
+            <p:nvSpPr>
+              <p:cNvPr id="3" name="CuadroTexto 2"/>
+              <p:cNvSpPr txBox="1"/>
+              <p:nvPr/>
+            </p:nvSpPr>
+            <p:spPr>
+              <a:xfrm>
+                <a:off x="3982268" y="975359"/>
+                <a:ext cx="767643" cy="434514"/>
+              </a:xfrm>
+              <a:prstGeom prst="rect">
+                <a:avLst/>
+              </a:prstGeom>
+              <a:noFill/>
+            </p:spPr>
+            <p:txBody>
+              <a:bodyPr wrap="square" rtlCol="0">
+                <a:spAutoFit/>
+              </a:bodyPr>
+              <a:lstStyle/>
+              <a:p>
+                <a:r>
+                  <a:rPr lang="es-ES" sz="1000" dirty="0" smtClean="0"/>
+                  <a:t>400</a:t>
+                </a:r>
+                <a:endParaRPr lang="es-BO" sz="1000" dirty="0"/>
+              </a:p>
+            </p:txBody>
+          </p:sp>
+          <p:sp>
+            <p:nvSpPr>
+              <p:cNvPr id="15" name="CuadroTexto 14"/>
+              <p:cNvSpPr txBox="1"/>
+              <p:nvPr/>
+            </p:nvSpPr>
+            <p:spPr>
+              <a:xfrm>
+                <a:off x="4020723" y="3714445"/>
+                <a:ext cx="767643" cy="434514"/>
+              </a:xfrm>
+              <a:prstGeom prst="rect">
+                <a:avLst/>
+              </a:prstGeom>
+              <a:noFill/>
+            </p:spPr>
+            <p:txBody>
+              <a:bodyPr wrap="square" rtlCol="0">
+                <a:spAutoFit/>
+              </a:bodyPr>
+              <a:lstStyle/>
+              <a:p>
+                <a:r>
+                  <a:rPr lang="es-ES" sz="1000" dirty="0" smtClean="0"/>
+                  <a:t>-</a:t>
+                </a:r>
+                <a:r>
+                  <a:rPr lang="es-ES" sz="1000" dirty="0" smtClean="0"/>
+                  <a:t>100</a:t>
+                </a:r>
+                <a:endParaRPr lang="es-BO" sz="1000" dirty="0"/>
+              </a:p>
+            </p:txBody>
+          </p:sp>
+        </p:grpSp>
+        <p:pic>
+          <p:nvPicPr>
+            <p:cNvPr id="9" name="Imagen 8"/>
+            <p:cNvPicPr>
+              <a:picLocks noChangeAspect="1"/>
+            </p:cNvPicPr>
+            <p:nvPr/>
+          </p:nvPicPr>
+          <p:blipFill>
+            <a:blip r:embed="rId3"/>
+            <a:stretch>
+              <a:fillRect/>
+            </a:stretch>
+          </p:blipFill>
+          <p:spPr>
+            <a:xfrm>
+              <a:off x="2850434" y="2520850"/>
+              <a:ext cx="6187556" cy="2042663"/>
+            </a:xfrm>
+            <a:prstGeom prst="rect">
+              <a:avLst/>
+            </a:prstGeom>
+          </p:spPr>
+        </p:pic>
+      </p:grpSp>
+    </p:spTree>
+    <p:extLst>
+      <p:ext uri="{BB962C8B-B14F-4D97-AF65-F5344CB8AC3E}">
+        <p14:creationId xmlns:p14="http://schemas.microsoft.com/office/powerpoint/2010/main" val="59328330"/>
+      </p:ext>
+    </p:extLst>
+  </p:cSld>
+  <p:clrMapOvr>
+    <a:masterClrMapping/>
+  </p:clrMapOvr>
+</p:sld>
+</file>
+
+<file path=ppt/slides/slide3.xml><?xml version="1.0" encoding="utf-8"?>
+<p:sld xmlns:a="http://schemas.openxmlformats.org/drawingml/2006/main" xmlns:r="http://schemas.openxmlformats.org/officeDocument/2006/relationships" xmlns:p="http://schemas.openxmlformats.org/presentationml/2006/main">
+  <p:cSld>
+    <p:spTree>
+      <p:nvGrpSpPr>
+        <p:cNvPr id="1" name=""/>
+        <p:cNvGrpSpPr/>
+        <p:nvPr/>
+      </p:nvGrpSpPr>
+      <p:grpSpPr>
+        <a:xfrm>
+          <a:off x="0" y="0"/>
+          <a:ext cx="0" cy="0"/>
+          <a:chOff x="0" y="0"/>
+          <a:chExt cx="0" cy="0"/>
+        </a:xfrm>
+      </p:grpSpPr>
+      <p:grpSp>
+        <p:nvGrpSpPr>
+          <p:cNvPr id="9" name="Grupo 8"/>
+          <p:cNvGrpSpPr/>
+          <p:nvPr/>
+        </p:nvGrpSpPr>
+        <p:grpSpPr>
+          <a:xfrm>
+            <a:off x="2630210" y="2463236"/>
+            <a:ext cx="7009549" cy="2217966"/>
+            <a:chOff x="2630210" y="2463236"/>
+            <a:chExt cx="7406933" cy="2217966"/>
+          </a:xfrm>
+        </p:grpSpPr>
+        <p:grpSp>
+          <p:nvGrpSpPr>
+            <p:cNvPr id="12" name="Grupo 11"/>
+            <p:cNvGrpSpPr/>
+            <p:nvPr/>
+          </p:nvGrpSpPr>
+          <p:grpSpPr>
+            <a:xfrm>
+              <a:off x="9114971" y="2634305"/>
+              <a:ext cx="922172" cy="1798346"/>
+              <a:chOff x="3710940" y="975359"/>
+              <a:chExt cx="1077426" cy="3173600"/>
+            </a:xfrm>
+          </p:grpSpPr>
+          <p:pic>
+            <p:nvPicPr>
+              <p:cNvPr id="2" name="Imagen 1"/>
+              <p:cNvPicPr>
+                <a:picLocks noChangeAspect="1"/>
+              </p:cNvPicPr>
+              <p:nvPr/>
+            </p:nvPicPr>
+            <p:blipFill rotWithShape="1">
+              <a:blip r:embed="rId2"/>
+              <a:srcRect l="17750" t="84858" r="4025" b="10946"/>
+              <a:stretch/>
+            </p:blipFill>
+            <p:spPr>
+              <a:xfrm rot="16200000">
+                <a:off x="2341654" y="2344647"/>
+                <a:ext cx="3009900" cy="271327"/>
+              </a:xfrm>
+              <a:prstGeom prst="rect">
+                <a:avLst/>
+              </a:prstGeom>
+            </p:spPr>
+          </p:pic>
+          <p:sp>
+            <p:nvSpPr>
+              <p:cNvPr id="3" name="CuadroTexto 2"/>
+              <p:cNvSpPr txBox="1"/>
+              <p:nvPr/>
+            </p:nvSpPr>
+            <p:spPr>
+              <a:xfrm>
+                <a:off x="3982268" y="975359"/>
+                <a:ext cx="767643" cy="434514"/>
+              </a:xfrm>
+              <a:prstGeom prst="rect">
+                <a:avLst/>
+              </a:prstGeom>
+              <a:noFill/>
+            </p:spPr>
+            <p:txBody>
+              <a:bodyPr wrap="square" rtlCol="0">
+                <a:spAutoFit/>
+              </a:bodyPr>
+              <a:lstStyle/>
+              <a:p>
+                <a:r>
+                  <a:rPr lang="es-ES" sz="1000" dirty="0" smtClean="0"/>
+                  <a:t>11.000</a:t>
+                </a:r>
+                <a:endParaRPr lang="es-BO" sz="1000" dirty="0"/>
+              </a:p>
+            </p:txBody>
+          </p:sp>
+          <p:sp>
+            <p:nvSpPr>
+              <p:cNvPr id="15" name="CuadroTexto 14"/>
+              <p:cNvSpPr txBox="1"/>
+              <p:nvPr/>
+            </p:nvSpPr>
+            <p:spPr>
+              <a:xfrm>
+                <a:off x="4020723" y="3714445"/>
+                <a:ext cx="767643" cy="434514"/>
+              </a:xfrm>
+              <a:prstGeom prst="rect">
+                <a:avLst/>
+              </a:prstGeom>
+              <a:noFill/>
+            </p:spPr>
+            <p:txBody>
+              <a:bodyPr wrap="square" rtlCol="0">
+                <a:spAutoFit/>
+              </a:bodyPr>
+              <a:lstStyle/>
+              <a:p>
+                <a:r>
+                  <a:rPr lang="es-ES" sz="1000" dirty="0" smtClean="0"/>
+                  <a:t>0</a:t>
+                </a:r>
+                <a:endParaRPr lang="es-BO" sz="1000" dirty="0"/>
+              </a:p>
+            </p:txBody>
+          </p:sp>
+        </p:grpSp>
+        <p:pic>
+          <p:nvPicPr>
+            <p:cNvPr id="6" name="Imagen 5"/>
+            <p:cNvPicPr>
+              <a:picLocks noChangeAspect="1"/>
+            </p:cNvPicPr>
+            <p:nvPr/>
+          </p:nvPicPr>
+          <p:blipFill>
+            <a:blip r:embed="rId3"/>
+            <a:stretch>
+              <a:fillRect/>
+            </a:stretch>
+          </p:blipFill>
+          <p:spPr>
+            <a:xfrm>
+              <a:off x="2630210" y="2463236"/>
+              <a:ext cx="6484761" cy="2217966"/>
+            </a:xfrm>
+            <a:prstGeom prst="rect">
+              <a:avLst/>
+            </a:prstGeom>
+          </p:spPr>
+        </p:pic>
+      </p:grpSp>
+    </p:spTree>
+    <p:extLst>
+      <p:ext uri="{BB962C8B-B14F-4D97-AF65-F5344CB8AC3E}">
+        <p14:creationId xmlns:p14="http://schemas.microsoft.com/office/powerpoint/2010/main" val="1934215499"/>
+      </p:ext>
+    </p:extLst>
+  </p:cSld>
+  <p:clrMapOvr>
+    <a:masterClrMapping/>
+  </p:clrMapOvr>
+</p:sld>
+</file>
+
+<file path=ppt/slides/slide4.xml><?xml version="1.0" encoding="utf-8"?>
 <p:sld xmlns:a="http://schemas.openxmlformats.org/drawingml/2006/main" xmlns:r="http://schemas.openxmlformats.org/officeDocument/2006/relationships" xmlns:p="http://schemas.openxmlformats.org/presentationml/2006/main">
   <p:cSld>
     <p:spTree>
